--- a/erb_supporting_docs/Packaging_Resources/lib/ERB/Projects/Explore/Goals/Default_Goal/Supporting_DOC/ERB_flow_diagram.pptx
+++ b/erb_supporting_docs/Packaging_Resources/lib/ERB/Projects/Explore/Goals/Default_Goal/Supporting_DOC/ERB_flow_diagram.pptx
@@ -157,15 +157,6 @@
       </pc:sldChg>
     </pc:docChg>
   </pc:docChgLst>
-  <pc:docChgLst>
-    <pc:chgData name="Wilkinson, Audrey" userId="77f01a08-60eb-4cbb-a57f-093684ecde23" providerId="ADAL" clId="{DD4A5AD1-EE49-48B5-A3EF-DAADDE20BB32}"/>
-    <pc:docChg chg="mod">
-      <pc:chgData name="Wilkinson, Audrey" userId="77f01a08-60eb-4cbb-a57f-093684ecde23" providerId="ADAL" clId="{DD4A5AD1-EE49-48B5-A3EF-DAADDE20BB32}" dt="2022-12-20T14:50:40.110" v="3"/>
-      <pc:docMkLst>
-        <pc:docMk/>
-      </pc:docMkLst>
-    </pc:docChg>
-  </pc:docChgLst>
 </pc:chgInfo>
 </file>
 
@@ -251,7 +242,7 @@
           <a:p>
             <a:fld id="{65C7CEE7-061B-4F74-BFBE-7294161E3ECB}" type="datetimeFigureOut">
               <a:rPr lang="en-US" smtClean="0"/>
-              <a:t>12/20/2022</a:t>
+              <a:t>1/31/2023</a:t>
             </a:fld>
             <a:endParaRPr lang="en-US"/>
           </a:p>
@@ -749,7 +740,7 @@
           <a:p>
             <a:fld id="{FD6F27A6-8D9B-4CBF-9D5A-FF3DB9C0DE02}" type="datetimeFigureOut">
               <a:rPr lang="en-US" smtClean="0"/>
-              <a:t>12/20/2022</a:t>
+              <a:t>1/31/2023</a:t>
             </a:fld>
             <a:endParaRPr lang="en-US"/>
           </a:p>
@@ -947,7 +938,7 @@
           <a:p>
             <a:fld id="{FD6F27A6-8D9B-4CBF-9D5A-FF3DB9C0DE02}" type="datetimeFigureOut">
               <a:rPr lang="en-US" smtClean="0"/>
-              <a:t>12/20/2022</a:t>
+              <a:t>1/31/2023</a:t>
             </a:fld>
             <a:endParaRPr lang="en-US"/>
           </a:p>
@@ -1155,7 +1146,7 @@
           <a:p>
             <a:fld id="{FD6F27A6-8D9B-4CBF-9D5A-FF3DB9C0DE02}" type="datetimeFigureOut">
               <a:rPr lang="en-US" smtClean="0"/>
-              <a:t>12/20/2022</a:t>
+              <a:t>1/31/2023</a:t>
             </a:fld>
             <a:endParaRPr lang="en-US"/>
           </a:p>
@@ -1353,7 +1344,7 @@
           <a:p>
             <a:fld id="{FD6F27A6-8D9B-4CBF-9D5A-FF3DB9C0DE02}" type="datetimeFigureOut">
               <a:rPr lang="en-US" smtClean="0"/>
-              <a:t>12/20/2022</a:t>
+              <a:t>1/31/2023</a:t>
             </a:fld>
             <a:endParaRPr lang="en-US"/>
           </a:p>
@@ -1628,7 +1619,7 @@
           <a:p>
             <a:fld id="{FD6F27A6-8D9B-4CBF-9D5A-FF3DB9C0DE02}" type="datetimeFigureOut">
               <a:rPr lang="en-US" smtClean="0"/>
-              <a:t>12/20/2022</a:t>
+              <a:t>1/31/2023</a:t>
             </a:fld>
             <a:endParaRPr lang="en-US"/>
           </a:p>
@@ -1893,7 +1884,7 @@
           <a:p>
             <a:fld id="{FD6F27A6-8D9B-4CBF-9D5A-FF3DB9C0DE02}" type="datetimeFigureOut">
               <a:rPr lang="en-US" smtClean="0"/>
-              <a:t>12/20/2022</a:t>
+              <a:t>1/31/2023</a:t>
             </a:fld>
             <a:endParaRPr lang="en-US"/>
           </a:p>
@@ -2305,7 +2296,7 @@
           <a:p>
             <a:fld id="{FD6F27A6-8D9B-4CBF-9D5A-FF3DB9C0DE02}" type="datetimeFigureOut">
               <a:rPr lang="en-US" smtClean="0"/>
-              <a:t>12/20/2022</a:t>
+              <a:t>1/31/2023</a:t>
             </a:fld>
             <a:endParaRPr lang="en-US"/>
           </a:p>
@@ -2446,7 +2437,7 @@
           <a:p>
             <a:fld id="{FD6F27A6-8D9B-4CBF-9D5A-FF3DB9C0DE02}" type="datetimeFigureOut">
               <a:rPr lang="en-US" smtClean="0"/>
-              <a:t>12/20/2022</a:t>
+              <a:t>1/31/2023</a:t>
             </a:fld>
             <a:endParaRPr lang="en-US"/>
           </a:p>
@@ -2559,7 +2550,7 @@
           <a:p>
             <a:fld id="{FD6F27A6-8D9B-4CBF-9D5A-FF3DB9C0DE02}" type="datetimeFigureOut">
               <a:rPr lang="en-US" smtClean="0"/>
-              <a:t>12/20/2022</a:t>
+              <a:t>1/31/2023</a:t>
             </a:fld>
             <a:endParaRPr lang="en-US"/>
           </a:p>
@@ -2870,7 +2861,7 @@
           <a:p>
             <a:fld id="{FD6F27A6-8D9B-4CBF-9D5A-FF3DB9C0DE02}" type="datetimeFigureOut">
               <a:rPr lang="en-US" smtClean="0"/>
-              <a:t>12/20/2022</a:t>
+              <a:t>1/31/2023</a:t>
             </a:fld>
             <a:endParaRPr lang="en-US"/>
           </a:p>
@@ -3158,7 +3149,7 @@
           <a:p>
             <a:fld id="{FD6F27A6-8D9B-4CBF-9D5A-FF3DB9C0DE02}" type="datetimeFigureOut">
               <a:rPr lang="en-US" smtClean="0"/>
-              <a:t>12/20/2022</a:t>
+              <a:t>1/31/2023</a:t>
             </a:fld>
             <a:endParaRPr lang="en-US"/>
           </a:p>
@@ -3399,7 +3390,7 @@
           <a:p>
             <a:fld id="{FD6F27A6-8D9B-4CBF-9D5A-FF3DB9C0DE02}" type="datetimeFigureOut">
               <a:rPr lang="en-US" smtClean="0"/>
-              <a:t>12/20/2022</a:t>
+              <a:t>1/31/2023</a:t>
             </a:fld>
             <a:endParaRPr lang="en-US"/>
           </a:p>
@@ -6375,6 +6366,53 @@
 </file>
 
 <file path=customXml/item1.xml><?xml version="1.0" encoding="utf-8"?>
+<p:properties xmlns:p="http://schemas.microsoft.com/office/2006/metadata/properties" xmlns:xsi="http://www.w3.org/2001/XMLSchema-instance" xmlns:pc="http://schemas.microsoft.com/office/infopath/2007/PartnerControls">
+  <documentManagement>
+    <_Source xmlns="http://schemas.microsoft.com/sharepoint/v3/fields" xsi:nil="true"/>
+    <Language xmlns="http://schemas.microsoft.com/sharepoint/v3">English</Language>
+    <j747ac98061d40f0aa7bd47e1db5675d xmlns="4ffa91fb-a0ff-4ac5-b2db-65c790d184a4">
+      <Terms xmlns="http://schemas.microsoft.com/office/infopath/2007/PartnerControls"/>
+    </j747ac98061d40f0aa7bd47e1db5675d>
+    <lcf76f155ced4ddcb4097134ff3c332f xmlns="c3fe2bc6-81ec-4aad-a296-b74ae9f31a66">
+      <Terms xmlns="http://schemas.microsoft.com/office/infopath/2007/PartnerControls"/>
+    </lcf76f155ced4ddcb4097134ff3c332f>
+    <External_x0020_Contributor xmlns="4ffa91fb-a0ff-4ac5-b2db-65c790d184a4" xsi:nil="true"/>
+    <TaxKeywordTaxHTField xmlns="4ffa91fb-a0ff-4ac5-b2db-65c790d184a4">
+      <Terms xmlns="http://schemas.microsoft.com/office/infopath/2007/PartnerControls"/>
+    </TaxKeywordTaxHTField>
+    <Record xmlns="4ffa91fb-a0ff-4ac5-b2db-65c790d184a4">Shared</Record>
+    <Rights xmlns="4ffa91fb-a0ff-4ac5-b2db-65c790d184a4" xsi:nil="true"/>
+    <Document_x0020_Creation_x0020_Date xmlns="4ffa91fb-a0ff-4ac5-b2db-65c790d184a4">2022-09-07T18:03:05+00:00</Document_x0020_Creation_x0020_Date>
+    <EPA_x0020_Office xmlns="4ffa91fb-a0ff-4ac5-b2db-65c790d184a4" xsi:nil="true"/>
+    <CategoryDescription xmlns="http://schemas.microsoft.com/sharepoint.v3" xsi:nil="true"/>
+    <Identifier xmlns="4ffa91fb-a0ff-4ac5-b2db-65c790d184a4" xsi:nil="true"/>
+    <_Coverage xmlns="http://schemas.microsoft.com/sharepoint/v3/fields" xsi:nil="true"/>
+    <Creator xmlns="4ffa91fb-a0ff-4ac5-b2db-65c790d184a4">
+      <UserInfo>
+        <DisplayName/>
+        <AccountId xsi:nil="true"/>
+        <AccountType/>
+      </UserInfo>
+    </Creator>
+    <EPA_x0020_Related_x0020_Documents xmlns="4ffa91fb-a0ff-4ac5-b2db-65c790d184a4" xsi:nil="true"/>
+    <EPA_x0020_Contributor xmlns="4ffa91fb-a0ff-4ac5-b2db-65c790d184a4">
+      <UserInfo>
+        <DisplayName/>
+        <AccountId xsi:nil="true"/>
+        <AccountType/>
+      </UserInfo>
+    </EPA_x0020_Contributor>
+    <TaxCatchAll xmlns="4ffa91fb-a0ff-4ac5-b2db-65c790d184a4" xsi:nil="true"/>
+  </documentManagement>
+</p:properties>
+</file>
+
+<file path=customXml/item2.xml><?xml version="1.0" encoding="utf-8"?>
+<?mso-contentType ?>
+<SharedContentType xmlns="Microsoft.SharePoint.Taxonomy.ContentTypeSync" SourceId="29f62856-1543-49d4-a736-4569d363f533" ContentTypeId="0x0101" PreviousValue="false"/>
+</file>
+
+<file path=customXml/item3.xml><?xml version="1.0" encoding="utf-8"?>
 <ct:contentTypeSchema xmlns:ct="http://schemas.microsoft.com/office/2006/metadata/contentType" xmlns:ma="http://schemas.microsoft.com/office/2006/metadata/properties/metaAttributes" ct:_="" ma:_="" ma:contentTypeName="Document" ma:contentTypeID="0x010100BCAB26B0D8085F48A9144F3A5DA03370" ma:contentTypeVersion="14" ma:contentTypeDescription="Create a new document." ma:contentTypeScope="" ma:versionID="9ae9af1deb08696fb7f555525a9fa7c5">
   <xsd:schema xmlns:xsd="http://www.w3.org/2001/XMLSchema" xmlns:xs="http://www.w3.org/2001/XMLSchema" xmlns:p="http://schemas.microsoft.com/office/2006/metadata/properties" xmlns:ns1="http://schemas.microsoft.com/sharepoint/v3" xmlns:ns2="4ffa91fb-a0ff-4ac5-b2db-65c790d184a4" xmlns:ns3="http://schemas.microsoft.com/sharepoint.v3" xmlns:ns4="http://schemas.microsoft.com/sharepoint/v3/fields" xmlns:ns5="c3fe2bc6-81ec-4aad-a296-b74ae9f31a66" xmlns:ns6="8f0ccb0b-2b45-4ecf-807d-d8fd9145fac4" targetNamespace="http://schemas.microsoft.com/office/2006/metadata/properties" ma:root="true" ma:fieldsID="30d339086709ad11d4d9a3b9fa283420" ns1:_="" ns2:_="" ns3:_="" ns4:_="" ns5:_="" ns6:_="">
     <xsd:import namespace="http://schemas.microsoft.com/sharepoint/v3"/>
@@ -6813,53 +6851,6 @@
 </ct:contentTypeSchema>
 </file>
 
-<file path=customXml/item2.xml><?xml version="1.0" encoding="utf-8"?>
-<?mso-contentType ?>
-<SharedContentType xmlns="Microsoft.SharePoint.Taxonomy.ContentTypeSync" SourceId="29f62856-1543-49d4-a736-4569d363f533" ContentTypeId="0x0101" PreviousValue="false"/>
-</file>
-
-<file path=customXml/item3.xml><?xml version="1.0" encoding="utf-8"?>
-<p:properties xmlns:p="http://schemas.microsoft.com/office/2006/metadata/properties" xmlns:xsi="http://www.w3.org/2001/XMLSchema-instance" xmlns:pc="http://schemas.microsoft.com/office/infopath/2007/PartnerControls">
-  <documentManagement>
-    <_Source xmlns="http://schemas.microsoft.com/sharepoint/v3/fields" xsi:nil="true"/>
-    <Language xmlns="http://schemas.microsoft.com/sharepoint/v3">English</Language>
-    <j747ac98061d40f0aa7bd47e1db5675d xmlns="4ffa91fb-a0ff-4ac5-b2db-65c790d184a4">
-      <Terms xmlns="http://schemas.microsoft.com/office/infopath/2007/PartnerControls"/>
-    </j747ac98061d40f0aa7bd47e1db5675d>
-    <lcf76f155ced4ddcb4097134ff3c332f xmlns="c3fe2bc6-81ec-4aad-a296-b74ae9f31a66">
-      <Terms xmlns="http://schemas.microsoft.com/office/infopath/2007/PartnerControls"/>
-    </lcf76f155ced4ddcb4097134ff3c332f>
-    <External_x0020_Contributor xmlns="4ffa91fb-a0ff-4ac5-b2db-65c790d184a4" xsi:nil="true"/>
-    <TaxKeywordTaxHTField xmlns="4ffa91fb-a0ff-4ac5-b2db-65c790d184a4">
-      <Terms xmlns="http://schemas.microsoft.com/office/infopath/2007/PartnerControls"/>
-    </TaxKeywordTaxHTField>
-    <Record xmlns="4ffa91fb-a0ff-4ac5-b2db-65c790d184a4">Shared</Record>
-    <Rights xmlns="4ffa91fb-a0ff-4ac5-b2db-65c790d184a4" xsi:nil="true"/>
-    <Document_x0020_Creation_x0020_Date xmlns="4ffa91fb-a0ff-4ac5-b2db-65c790d184a4">2022-09-07T18:03:05+00:00</Document_x0020_Creation_x0020_Date>
-    <EPA_x0020_Office xmlns="4ffa91fb-a0ff-4ac5-b2db-65c790d184a4" xsi:nil="true"/>
-    <CategoryDescription xmlns="http://schemas.microsoft.com/sharepoint.v3" xsi:nil="true"/>
-    <Identifier xmlns="4ffa91fb-a0ff-4ac5-b2db-65c790d184a4" xsi:nil="true"/>
-    <_Coverage xmlns="http://schemas.microsoft.com/sharepoint/v3/fields" xsi:nil="true"/>
-    <Creator xmlns="4ffa91fb-a0ff-4ac5-b2db-65c790d184a4">
-      <UserInfo>
-        <DisplayName/>
-        <AccountId xsi:nil="true"/>
-        <AccountType/>
-      </UserInfo>
-    </Creator>
-    <EPA_x0020_Related_x0020_Documents xmlns="4ffa91fb-a0ff-4ac5-b2db-65c790d184a4" xsi:nil="true"/>
-    <EPA_x0020_Contributor xmlns="4ffa91fb-a0ff-4ac5-b2db-65c790d184a4">
-      <UserInfo>
-        <DisplayName/>
-        <AccountId xsi:nil="true"/>
-        <AccountType/>
-      </UserInfo>
-    </EPA_x0020_Contributor>
-    <TaxCatchAll xmlns="4ffa91fb-a0ff-4ac5-b2db-65c790d184a4" xsi:nil="true"/>
-  </documentManagement>
-</p:properties>
-</file>
-
 <file path=customXml/item4.xml><?xml version="1.0" encoding="utf-8"?>
 <?mso-contentType ?>
 <FormTemplates xmlns="http://schemas.microsoft.com/sharepoint/v3/contenttype/forms">
@@ -6870,6 +6861,35 @@
 </file>
 
 <file path=customXml/itemProps1.xml><?xml version="1.0" encoding="utf-8"?>
+<ds:datastoreItem xmlns:ds="http://schemas.openxmlformats.org/officeDocument/2006/customXml" ds:itemID="{20B9ADF8-FAEF-4F9C-8A9F-93FC7E9963C1}">
+  <ds:schemaRefs>
+    <ds:schemaRef ds:uri="782bd00c-d0de-45eb-9b7b-c6eb022f2513"/>
+    <ds:schemaRef ds:uri="http://purl.org/dc/dcmitype/"/>
+    <ds:schemaRef ds:uri="http://purl.org/dc/elements/1.1/"/>
+    <ds:schemaRef ds:uri="http://purl.org/dc/terms/"/>
+    <ds:schemaRef ds:uri="http://schemas.microsoft.com/office/2006/documentManagement/types"/>
+    <ds:schemaRef ds:uri="http://schemas.microsoft.com/office/2006/metadata/properties"/>
+    <ds:schemaRef ds:uri="http://schemas.microsoft.com/office/infopath/2007/PartnerControls"/>
+    <ds:schemaRef ds:uri="http://schemas.openxmlformats.org/package/2006/metadata/core-properties"/>
+    <ds:schemaRef ds:uri="http://www.w3.org/XML/1998/namespace"/>
+    <ds:schemaRef ds:uri="http://schemas.microsoft.com/sharepoint/v3/fields"/>
+    <ds:schemaRef ds:uri="http://schemas.microsoft.com/sharepoint/v3"/>
+    <ds:schemaRef ds:uri="4ffa91fb-a0ff-4ac5-b2db-65c790d184a4"/>
+    <ds:schemaRef ds:uri="c3fe2bc6-81ec-4aad-a296-b74ae9f31a66"/>
+    <ds:schemaRef ds:uri="http://schemas.microsoft.com/sharepoint.v3"/>
+  </ds:schemaRefs>
+</ds:datastoreItem>
+</file>
+
+<file path=customXml/itemProps2.xml><?xml version="1.0" encoding="utf-8"?>
+<ds:datastoreItem xmlns:ds="http://schemas.openxmlformats.org/officeDocument/2006/customXml" ds:itemID="{CD4ADB30-B8EC-44FE-B699-75764E1B9277}">
+  <ds:schemaRefs>
+    <ds:schemaRef ds:uri="Microsoft.SharePoint.Taxonomy.ContentTypeSync"/>
+  </ds:schemaRefs>
+</ds:datastoreItem>
+</file>
+
+<file path=customXml/itemProps3.xml><?xml version="1.0" encoding="utf-8"?>
 <ds:datastoreItem xmlns:ds="http://schemas.openxmlformats.org/officeDocument/2006/customXml" ds:itemID="{782618B5-6660-47EA-A9BA-A933F2D3ACE4}">
   <ds:schemaRefs>
     <ds:schemaRef ds:uri="http://schemas.microsoft.com/office/2006/metadata/contentType"/>
@@ -6892,35 +6912,6 @@
 </ds:datastoreItem>
 </file>
 
-<file path=customXml/itemProps2.xml><?xml version="1.0" encoding="utf-8"?>
-<ds:datastoreItem xmlns:ds="http://schemas.openxmlformats.org/officeDocument/2006/customXml" ds:itemID="{CD4ADB30-B8EC-44FE-B699-75764E1B9277}">
-  <ds:schemaRefs>
-    <ds:schemaRef ds:uri="Microsoft.SharePoint.Taxonomy.ContentTypeSync"/>
-  </ds:schemaRefs>
-</ds:datastoreItem>
-</file>
-
-<file path=customXml/itemProps3.xml><?xml version="1.0" encoding="utf-8"?>
-<ds:datastoreItem xmlns:ds="http://schemas.openxmlformats.org/officeDocument/2006/customXml" ds:itemID="{20B9ADF8-FAEF-4F9C-8A9F-93FC7E9963C1}">
-  <ds:schemaRefs>
-    <ds:schemaRef ds:uri="http://www.w3.org/XML/1998/namespace"/>
-    <ds:schemaRef ds:uri="http://purl.org/dc/elements/1.1/"/>
-    <ds:schemaRef ds:uri="http://schemas.microsoft.com/office/2006/documentManagement/types"/>
-    <ds:schemaRef ds:uri="http://schemas.microsoft.com/sharepoint.v3"/>
-    <ds:schemaRef ds:uri="http://schemas.microsoft.com/office/infopath/2007/PartnerControls"/>
-    <ds:schemaRef ds:uri="http://schemas.microsoft.com/office/2006/metadata/properties"/>
-    <ds:schemaRef ds:uri="http://purl.org/dc/dcmitype/"/>
-    <ds:schemaRef ds:uri="http://purl.org/dc/terms/"/>
-    <ds:schemaRef ds:uri="http://schemas.openxmlformats.org/package/2006/metadata/core-properties"/>
-    <ds:schemaRef ds:uri="8f0ccb0b-2b45-4ecf-807d-d8fd9145fac4"/>
-    <ds:schemaRef ds:uri="4ffa91fb-a0ff-4ac5-b2db-65c790d184a4"/>
-    <ds:schemaRef ds:uri="c3fe2bc6-81ec-4aad-a296-b74ae9f31a66"/>
-    <ds:schemaRef ds:uri="http://schemas.microsoft.com/sharepoint/v3/fields"/>
-    <ds:schemaRef ds:uri="http://schemas.microsoft.com/sharepoint/v3"/>
-  </ds:schemaRefs>
-</ds:datastoreItem>
-</file>
-
 <file path=customXml/itemProps4.xml><?xml version="1.0" encoding="utf-8"?>
 <ds:datastoreItem xmlns:ds="http://schemas.openxmlformats.org/officeDocument/2006/customXml" ds:itemID="{B9CF892C-D126-4C75-9BA4-EC917D0B13D4}">
   <ds:schemaRefs>
